--- a/ppt 16-9/0353.主恩呼召.pptx
+++ b/ppt 16-9/0353.主恩呼召.pptx
@@ -129,7 +129,7 @@
           <p:cNvPr id="2" name="标题 1">
             <a:extLst>
               <a:ext uri="{FF2B5EF4-FFF2-40B4-BE49-F238E27FC236}">
-                <a16:creationId xmlns:a16="http://schemas.microsoft.com/office/drawing/2014/main" id="{F16069D9-DEF5-64B5-7F45-041FAD481E56}"/>
+                <a16:creationId xmlns:a16="http://schemas.microsoft.com/office/drawing/2014/main" id="{27C99ADA-822A-8D07-A819-EF9C2648BC00}"/>
               </a:ext>
             </a:extLst>
           </p:cNvPr>
@@ -166,7 +166,7 @@
           <p:cNvPr id="3" name="副标题 2">
             <a:extLst>
               <a:ext uri="{FF2B5EF4-FFF2-40B4-BE49-F238E27FC236}">
-                <a16:creationId xmlns:a16="http://schemas.microsoft.com/office/drawing/2014/main" id="{68B73350-F586-C63E-940F-DAB2DD42C5A9}"/>
+                <a16:creationId xmlns:a16="http://schemas.microsoft.com/office/drawing/2014/main" id="{FCBED5A8-2CDB-B3DF-E0F1-FBAD009D37E3}"/>
               </a:ext>
             </a:extLst>
           </p:cNvPr>
@@ -236,7 +236,7 @@
           <p:cNvPr id="4" name="日期占位符 3">
             <a:extLst>
               <a:ext uri="{FF2B5EF4-FFF2-40B4-BE49-F238E27FC236}">
-                <a16:creationId xmlns:a16="http://schemas.microsoft.com/office/drawing/2014/main" id="{DA0C5BA1-248B-2920-3987-455323482DFD}"/>
+                <a16:creationId xmlns:a16="http://schemas.microsoft.com/office/drawing/2014/main" id="{4A4752A7-1F24-3632-67EF-1182E3738FC9}"/>
               </a:ext>
             </a:extLst>
           </p:cNvPr>
@@ -252,7 +252,7 @@
           <a:bodyPr/>
           <a:lstStyle/>
           <a:p>
-            <a:fld id="{BCA501A3-6DEA-4E70-B31B-DBC4E34366A1}" type="datetimeFigureOut">
+            <a:fld id="{ECF8F30A-7E03-4E56-B344-E8D6282BA25F}" type="datetimeFigureOut">
               <a:rPr lang="zh-CN" altLang="en-US" smtClean="0"/>
               <a:t>2024/3/10</a:t>
             </a:fld>
@@ -265,7 +265,7 @@
           <p:cNvPr id="5" name="页脚占位符 4">
             <a:extLst>
               <a:ext uri="{FF2B5EF4-FFF2-40B4-BE49-F238E27FC236}">
-                <a16:creationId xmlns:a16="http://schemas.microsoft.com/office/drawing/2014/main" id="{E9818247-5301-2AB3-120D-1752D871E2E3}"/>
+                <a16:creationId xmlns:a16="http://schemas.microsoft.com/office/drawing/2014/main" id="{FA83DCC1-8E9B-962A-B857-F9589C91E7DA}"/>
               </a:ext>
             </a:extLst>
           </p:cNvPr>
@@ -290,7 +290,7 @@
           <p:cNvPr id="6" name="灯片编号占位符 5">
             <a:extLst>
               <a:ext uri="{FF2B5EF4-FFF2-40B4-BE49-F238E27FC236}">
-                <a16:creationId xmlns:a16="http://schemas.microsoft.com/office/drawing/2014/main" id="{EDB460B1-F8F4-2DC1-0985-0BBD1C51280B}"/>
+                <a16:creationId xmlns:a16="http://schemas.microsoft.com/office/drawing/2014/main" id="{C6F05282-02CB-1D5F-7878-2678E8FE01FD}"/>
               </a:ext>
             </a:extLst>
           </p:cNvPr>
@@ -306,7 +306,7 @@
           <a:bodyPr/>
           <a:lstStyle/>
           <a:p>
-            <a:fld id="{118F2C46-648C-48AE-8190-CF2C0372714A}" type="slidenum">
+            <a:fld id="{B688A5E9-A28F-4AEB-BD94-4691CB7D38D6}" type="slidenum">
               <a:rPr lang="zh-CN" altLang="en-US" smtClean="0"/>
               <a:t>‹#›</a:t>
             </a:fld>
@@ -317,7 +317,7 @@
     </p:spTree>
     <p:extLst>
       <p:ext uri="{BB962C8B-B14F-4D97-AF65-F5344CB8AC3E}">
-        <p14:creationId xmlns:p14="http://schemas.microsoft.com/office/powerpoint/2010/main" val="773673744"/>
+        <p14:creationId xmlns:p14="http://schemas.microsoft.com/office/powerpoint/2010/main" val="1113207302"/>
       </p:ext>
     </p:extLst>
   </p:cSld>
@@ -349,7 +349,7 @@
           <p:cNvPr id="2" name="标题 1">
             <a:extLst>
               <a:ext uri="{FF2B5EF4-FFF2-40B4-BE49-F238E27FC236}">
-                <a16:creationId xmlns:a16="http://schemas.microsoft.com/office/drawing/2014/main" id="{1DA931BA-24D8-ADEF-A06D-B2258AF6E7E6}"/>
+                <a16:creationId xmlns:a16="http://schemas.microsoft.com/office/drawing/2014/main" id="{51C23292-60E1-AFCA-B114-77030B4A6674}"/>
               </a:ext>
             </a:extLst>
           </p:cNvPr>
@@ -377,7 +377,7 @@
           <p:cNvPr id="3" name="竖排文字占位符 2">
             <a:extLst>
               <a:ext uri="{FF2B5EF4-FFF2-40B4-BE49-F238E27FC236}">
-                <a16:creationId xmlns:a16="http://schemas.microsoft.com/office/drawing/2014/main" id="{47BD70FC-1603-B698-3893-F35CF633F042}"/>
+                <a16:creationId xmlns:a16="http://schemas.microsoft.com/office/drawing/2014/main" id="{D635A40B-360C-BBA2-51F2-DA690DCAE03B}"/>
               </a:ext>
             </a:extLst>
           </p:cNvPr>
@@ -434,7 +434,7 @@
           <p:cNvPr id="4" name="日期占位符 3">
             <a:extLst>
               <a:ext uri="{FF2B5EF4-FFF2-40B4-BE49-F238E27FC236}">
-                <a16:creationId xmlns:a16="http://schemas.microsoft.com/office/drawing/2014/main" id="{CE799354-4EAF-10AB-B04D-BB31185BCC61}"/>
+                <a16:creationId xmlns:a16="http://schemas.microsoft.com/office/drawing/2014/main" id="{11D535A0-97E9-AEDB-C711-AA993A9B4483}"/>
               </a:ext>
             </a:extLst>
           </p:cNvPr>
@@ -450,7 +450,7 @@
           <a:bodyPr/>
           <a:lstStyle/>
           <a:p>
-            <a:fld id="{BCA501A3-6DEA-4E70-B31B-DBC4E34366A1}" type="datetimeFigureOut">
+            <a:fld id="{ECF8F30A-7E03-4E56-B344-E8D6282BA25F}" type="datetimeFigureOut">
               <a:rPr lang="zh-CN" altLang="en-US" smtClean="0"/>
               <a:t>2024/3/10</a:t>
             </a:fld>
@@ -463,7 +463,7 @@
           <p:cNvPr id="5" name="页脚占位符 4">
             <a:extLst>
               <a:ext uri="{FF2B5EF4-FFF2-40B4-BE49-F238E27FC236}">
-                <a16:creationId xmlns:a16="http://schemas.microsoft.com/office/drawing/2014/main" id="{016CF67B-D524-62DF-394C-73E7825AFAAA}"/>
+                <a16:creationId xmlns:a16="http://schemas.microsoft.com/office/drawing/2014/main" id="{8A28DB25-27C2-8AAF-0EFA-29CE48759CB2}"/>
               </a:ext>
             </a:extLst>
           </p:cNvPr>
@@ -488,7 +488,7 @@
           <p:cNvPr id="6" name="灯片编号占位符 5">
             <a:extLst>
               <a:ext uri="{FF2B5EF4-FFF2-40B4-BE49-F238E27FC236}">
-                <a16:creationId xmlns:a16="http://schemas.microsoft.com/office/drawing/2014/main" id="{1FB5880A-1CE6-04FA-7AC4-F0251C5A0C21}"/>
+                <a16:creationId xmlns:a16="http://schemas.microsoft.com/office/drawing/2014/main" id="{376F1FC2-D2F0-F20B-9541-ED883E2C20BC}"/>
               </a:ext>
             </a:extLst>
           </p:cNvPr>
@@ -504,7 +504,7 @@
           <a:bodyPr/>
           <a:lstStyle/>
           <a:p>
-            <a:fld id="{118F2C46-648C-48AE-8190-CF2C0372714A}" type="slidenum">
+            <a:fld id="{B688A5E9-A28F-4AEB-BD94-4691CB7D38D6}" type="slidenum">
               <a:rPr lang="zh-CN" altLang="en-US" smtClean="0"/>
               <a:t>‹#›</a:t>
             </a:fld>
@@ -515,7 +515,7 @@
     </p:spTree>
     <p:extLst>
       <p:ext uri="{BB962C8B-B14F-4D97-AF65-F5344CB8AC3E}">
-        <p14:creationId xmlns:p14="http://schemas.microsoft.com/office/powerpoint/2010/main" val="4102308760"/>
+        <p14:creationId xmlns:p14="http://schemas.microsoft.com/office/powerpoint/2010/main" val="2987624215"/>
       </p:ext>
     </p:extLst>
   </p:cSld>
@@ -547,7 +547,7 @@
           <p:cNvPr id="2" name="竖排标题 1">
             <a:extLst>
               <a:ext uri="{FF2B5EF4-FFF2-40B4-BE49-F238E27FC236}">
-                <a16:creationId xmlns:a16="http://schemas.microsoft.com/office/drawing/2014/main" id="{0470E3B7-1EF9-AEC8-ABCA-ACBC2A6AC482}"/>
+                <a16:creationId xmlns:a16="http://schemas.microsoft.com/office/drawing/2014/main" id="{1C5736CF-55E1-82EB-A2D4-3AB2C2E51932}"/>
               </a:ext>
             </a:extLst>
           </p:cNvPr>
@@ -580,7 +580,7 @@
           <p:cNvPr id="3" name="竖排文字占位符 2">
             <a:extLst>
               <a:ext uri="{FF2B5EF4-FFF2-40B4-BE49-F238E27FC236}">
-                <a16:creationId xmlns:a16="http://schemas.microsoft.com/office/drawing/2014/main" id="{4B5E9D47-CAE1-E3AD-0888-D9C0F8AA1562}"/>
+                <a16:creationId xmlns:a16="http://schemas.microsoft.com/office/drawing/2014/main" id="{2CC2A749-86B5-C42B-B2A4-B2FCEE7E0266}"/>
               </a:ext>
             </a:extLst>
           </p:cNvPr>
@@ -642,7 +642,7 @@
           <p:cNvPr id="4" name="日期占位符 3">
             <a:extLst>
               <a:ext uri="{FF2B5EF4-FFF2-40B4-BE49-F238E27FC236}">
-                <a16:creationId xmlns:a16="http://schemas.microsoft.com/office/drawing/2014/main" id="{46CB9FBF-CCC5-89F3-8ABC-816A3FABFBC6}"/>
+                <a16:creationId xmlns:a16="http://schemas.microsoft.com/office/drawing/2014/main" id="{98E37006-F921-4E93-0B0B-3EF457DDF20A}"/>
               </a:ext>
             </a:extLst>
           </p:cNvPr>
@@ -658,7 +658,7 @@
           <a:bodyPr/>
           <a:lstStyle/>
           <a:p>
-            <a:fld id="{BCA501A3-6DEA-4E70-B31B-DBC4E34366A1}" type="datetimeFigureOut">
+            <a:fld id="{ECF8F30A-7E03-4E56-B344-E8D6282BA25F}" type="datetimeFigureOut">
               <a:rPr lang="zh-CN" altLang="en-US" smtClean="0"/>
               <a:t>2024/3/10</a:t>
             </a:fld>
@@ -671,7 +671,7 @@
           <p:cNvPr id="5" name="页脚占位符 4">
             <a:extLst>
               <a:ext uri="{FF2B5EF4-FFF2-40B4-BE49-F238E27FC236}">
-                <a16:creationId xmlns:a16="http://schemas.microsoft.com/office/drawing/2014/main" id="{6B438B82-6B20-DAA2-0974-8C3E11C14A48}"/>
+                <a16:creationId xmlns:a16="http://schemas.microsoft.com/office/drawing/2014/main" id="{FA47C069-0C82-EEC8-3DDB-9A1B0CA7A958}"/>
               </a:ext>
             </a:extLst>
           </p:cNvPr>
@@ -696,7 +696,7 @@
           <p:cNvPr id="6" name="灯片编号占位符 5">
             <a:extLst>
               <a:ext uri="{FF2B5EF4-FFF2-40B4-BE49-F238E27FC236}">
-                <a16:creationId xmlns:a16="http://schemas.microsoft.com/office/drawing/2014/main" id="{B5046D6E-1BBE-B173-5101-97E3D48C25D0}"/>
+                <a16:creationId xmlns:a16="http://schemas.microsoft.com/office/drawing/2014/main" id="{4793BDB0-CCDC-3F66-4619-84A428846A00}"/>
               </a:ext>
             </a:extLst>
           </p:cNvPr>
@@ -712,7 +712,7 @@
           <a:bodyPr/>
           <a:lstStyle/>
           <a:p>
-            <a:fld id="{118F2C46-648C-48AE-8190-CF2C0372714A}" type="slidenum">
+            <a:fld id="{B688A5E9-A28F-4AEB-BD94-4691CB7D38D6}" type="slidenum">
               <a:rPr lang="zh-CN" altLang="en-US" smtClean="0"/>
               <a:t>‹#›</a:t>
             </a:fld>
@@ -723,7 +723,7 @@
     </p:spTree>
     <p:extLst>
       <p:ext uri="{BB962C8B-B14F-4D97-AF65-F5344CB8AC3E}">
-        <p14:creationId xmlns:p14="http://schemas.microsoft.com/office/powerpoint/2010/main" val="243906830"/>
+        <p14:creationId xmlns:p14="http://schemas.microsoft.com/office/powerpoint/2010/main" val="3277586379"/>
       </p:ext>
     </p:extLst>
   </p:cSld>
@@ -755,7 +755,7 @@
           <p:cNvPr id="2" name="标题 1">
             <a:extLst>
               <a:ext uri="{FF2B5EF4-FFF2-40B4-BE49-F238E27FC236}">
-                <a16:creationId xmlns:a16="http://schemas.microsoft.com/office/drawing/2014/main" id="{631DA0F8-AB29-CA20-0CB4-F9E16E6001FF}"/>
+                <a16:creationId xmlns:a16="http://schemas.microsoft.com/office/drawing/2014/main" id="{6D8DC1C3-3737-4EE6-8F16-852FFD154B18}"/>
               </a:ext>
             </a:extLst>
           </p:cNvPr>
@@ -783,7 +783,7 @@
           <p:cNvPr id="3" name="内容占位符 2">
             <a:extLst>
               <a:ext uri="{FF2B5EF4-FFF2-40B4-BE49-F238E27FC236}">
-                <a16:creationId xmlns:a16="http://schemas.microsoft.com/office/drawing/2014/main" id="{A7D7E71C-A733-8CB0-CBBA-4E6158BD00C7}"/>
+                <a16:creationId xmlns:a16="http://schemas.microsoft.com/office/drawing/2014/main" id="{61DE9A75-0E2E-7FAA-CE32-2954272B632E}"/>
               </a:ext>
             </a:extLst>
           </p:cNvPr>
@@ -840,7 +840,7 @@
           <p:cNvPr id="4" name="日期占位符 3">
             <a:extLst>
               <a:ext uri="{FF2B5EF4-FFF2-40B4-BE49-F238E27FC236}">
-                <a16:creationId xmlns:a16="http://schemas.microsoft.com/office/drawing/2014/main" id="{E2025A75-EA05-C353-292B-1947DF6D932B}"/>
+                <a16:creationId xmlns:a16="http://schemas.microsoft.com/office/drawing/2014/main" id="{D0861EC7-038C-FB0F-B901-60C7F3FF1DDD}"/>
               </a:ext>
             </a:extLst>
           </p:cNvPr>
@@ -856,7 +856,7 @@
           <a:bodyPr/>
           <a:lstStyle/>
           <a:p>
-            <a:fld id="{BCA501A3-6DEA-4E70-B31B-DBC4E34366A1}" type="datetimeFigureOut">
+            <a:fld id="{ECF8F30A-7E03-4E56-B344-E8D6282BA25F}" type="datetimeFigureOut">
               <a:rPr lang="zh-CN" altLang="en-US" smtClean="0"/>
               <a:t>2024/3/10</a:t>
             </a:fld>
@@ -869,7 +869,7 @@
           <p:cNvPr id="5" name="页脚占位符 4">
             <a:extLst>
               <a:ext uri="{FF2B5EF4-FFF2-40B4-BE49-F238E27FC236}">
-                <a16:creationId xmlns:a16="http://schemas.microsoft.com/office/drawing/2014/main" id="{9FF9FA34-2B62-AB1A-8B24-9D871E738B37}"/>
+                <a16:creationId xmlns:a16="http://schemas.microsoft.com/office/drawing/2014/main" id="{5CDB8810-B1D0-6470-8436-62194FD68519}"/>
               </a:ext>
             </a:extLst>
           </p:cNvPr>
@@ -894,7 +894,7 @@
           <p:cNvPr id="6" name="灯片编号占位符 5">
             <a:extLst>
               <a:ext uri="{FF2B5EF4-FFF2-40B4-BE49-F238E27FC236}">
-                <a16:creationId xmlns:a16="http://schemas.microsoft.com/office/drawing/2014/main" id="{DE7D9C0C-6B66-1235-90D8-55ECF035AF7E}"/>
+                <a16:creationId xmlns:a16="http://schemas.microsoft.com/office/drawing/2014/main" id="{17ACA009-83F9-15F8-2F00-09ECBCED5C89}"/>
               </a:ext>
             </a:extLst>
           </p:cNvPr>
@@ -910,7 +910,7 @@
           <a:bodyPr/>
           <a:lstStyle/>
           <a:p>
-            <a:fld id="{118F2C46-648C-48AE-8190-CF2C0372714A}" type="slidenum">
+            <a:fld id="{B688A5E9-A28F-4AEB-BD94-4691CB7D38D6}" type="slidenum">
               <a:rPr lang="zh-CN" altLang="en-US" smtClean="0"/>
               <a:t>‹#›</a:t>
             </a:fld>
@@ -921,7 +921,7 @@
     </p:spTree>
     <p:extLst>
       <p:ext uri="{BB962C8B-B14F-4D97-AF65-F5344CB8AC3E}">
-        <p14:creationId xmlns:p14="http://schemas.microsoft.com/office/powerpoint/2010/main" val="1648837956"/>
+        <p14:creationId xmlns:p14="http://schemas.microsoft.com/office/powerpoint/2010/main" val="1204273700"/>
       </p:ext>
     </p:extLst>
   </p:cSld>
@@ -953,7 +953,7 @@
           <p:cNvPr id="2" name="标题 1">
             <a:extLst>
               <a:ext uri="{FF2B5EF4-FFF2-40B4-BE49-F238E27FC236}">
-                <a16:creationId xmlns:a16="http://schemas.microsoft.com/office/drawing/2014/main" id="{D3E9541F-AC99-E6F8-7350-8B1C7F799E73}"/>
+                <a16:creationId xmlns:a16="http://schemas.microsoft.com/office/drawing/2014/main" id="{4C48539E-DE43-1C4F-7C19-90965AD346D2}"/>
               </a:ext>
             </a:extLst>
           </p:cNvPr>
@@ -990,7 +990,7 @@
           <p:cNvPr id="3" name="文本占位符 2">
             <a:extLst>
               <a:ext uri="{FF2B5EF4-FFF2-40B4-BE49-F238E27FC236}">
-                <a16:creationId xmlns:a16="http://schemas.microsoft.com/office/drawing/2014/main" id="{EA75FDC2-4955-72E5-1166-42F5BE9858BC}"/>
+                <a16:creationId xmlns:a16="http://schemas.microsoft.com/office/drawing/2014/main" id="{E7785E32-453A-63D2-0513-9C5E563FFA13}"/>
               </a:ext>
             </a:extLst>
           </p:cNvPr>
@@ -1115,7 +1115,7 @@
           <p:cNvPr id="4" name="日期占位符 3">
             <a:extLst>
               <a:ext uri="{FF2B5EF4-FFF2-40B4-BE49-F238E27FC236}">
-                <a16:creationId xmlns:a16="http://schemas.microsoft.com/office/drawing/2014/main" id="{1D3846D6-C3CC-5D9F-C3D7-F4818B6349FD}"/>
+                <a16:creationId xmlns:a16="http://schemas.microsoft.com/office/drawing/2014/main" id="{12919179-642F-7A6F-D6ED-230E936652DB}"/>
               </a:ext>
             </a:extLst>
           </p:cNvPr>
@@ -1131,7 +1131,7 @@
           <a:bodyPr/>
           <a:lstStyle/>
           <a:p>
-            <a:fld id="{BCA501A3-6DEA-4E70-B31B-DBC4E34366A1}" type="datetimeFigureOut">
+            <a:fld id="{ECF8F30A-7E03-4E56-B344-E8D6282BA25F}" type="datetimeFigureOut">
               <a:rPr lang="zh-CN" altLang="en-US" smtClean="0"/>
               <a:t>2024/3/10</a:t>
             </a:fld>
@@ -1144,7 +1144,7 @@
           <p:cNvPr id="5" name="页脚占位符 4">
             <a:extLst>
               <a:ext uri="{FF2B5EF4-FFF2-40B4-BE49-F238E27FC236}">
-                <a16:creationId xmlns:a16="http://schemas.microsoft.com/office/drawing/2014/main" id="{C94943E5-D04F-0968-C9C3-4E2C26122D84}"/>
+                <a16:creationId xmlns:a16="http://schemas.microsoft.com/office/drawing/2014/main" id="{3B5CF758-DF0B-3FEA-A84E-434FC07D2FB8}"/>
               </a:ext>
             </a:extLst>
           </p:cNvPr>
@@ -1169,7 +1169,7 @@
           <p:cNvPr id="6" name="灯片编号占位符 5">
             <a:extLst>
               <a:ext uri="{FF2B5EF4-FFF2-40B4-BE49-F238E27FC236}">
-                <a16:creationId xmlns:a16="http://schemas.microsoft.com/office/drawing/2014/main" id="{B69B9D6A-A9F4-6E99-D820-8637FD436FFB}"/>
+                <a16:creationId xmlns:a16="http://schemas.microsoft.com/office/drawing/2014/main" id="{FBEA8309-BB6D-1F00-5448-D72CA1EC3E90}"/>
               </a:ext>
             </a:extLst>
           </p:cNvPr>
@@ -1185,7 +1185,7 @@
           <a:bodyPr/>
           <a:lstStyle/>
           <a:p>
-            <a:fld id="{118F2C46-648C-48AE-8190-CF2C0372714A}" type="slidenum">
+            <a:fld id="{B688A5E9-A28F-4AEB-BD94-4691CB7D38D6}" type="slidenum">
               <a:rPr lang="zh-CN" altLang="en-US" smtClean="0"/>
               <a:t>‹#›</a:t>
             </a:fld>
@@ -1196,7 +1196,7 @@
     </p:spTree>
     <p:extLst>
       <p:ext uri="{BB962C8B-B14F-4D97-AF65-F5344CB8AC3E}">
-        <p14:creationId xmlns:p14="http://schemas.microsoft.com/office/powerpoint/2010/main" val="1904518593"/>
+        <p14:creationId xmlns:p14="http://schemas.microsoft.com/office/powerpoint/2010/main" val="1957092435"/>
       </p:ext>
     </p:extLst>
   </p:cSld>
@@ -1228,7 +1228,7 @@
           <p:cNvPr id="2" name="标题 1">
             <a:extLst>
               <a:ext uri="{FF2B5EF4-FFF2-40B4-BE49-F238E27FC236}">
-                <a16:creationId xmlns:a16="http://schemas.microsoft.com/office/drawing/2014/main" id="{B34D8CFE-1854-ADFB-0B50-070947A0B5AB}"/>
+                <a16:creationId xmlns:a16="http://schemas.microsoft.com/office/drawing/2014/main" id="{8E70B0C1-DA18-7BDA-12CA-C2EADEF6898E}"/>
               </a:ext>
             </a:extLst>
           </p:cNvPr>
@@ -1256,7 +1256,7 @@
           <p:cNvPr id="3" name="内容占位符 2">
             <a:extLst>
               <a:ext uri="{FF2B5EF4-FFF2-40B4-BE49-F238E27FC236}">
-                <a16:creationId xmlns:a16="http://schemas.microsoft.com/office/drawing/2014/main" id="{C1A2CF5F-EBE7-7F26-AE67-AFAAE1D185F3}"/>
+                <a16:creationId xmlns:a16="http://schemas.microsoft.com/office/drawing/2014/main" id="{D9BF640B-7411-B4E1-83FD-6592E7D99CCD}"/>
               </a:ext>
             </a:extLst>
           </p:cNvPr>
@@ -1318,7 +1318,7 @@
           <p:cNvPr id="4" name="内容占位符 3">
             <a:extLst>
               <a:ext uri="{FF2B5EF4-FFF2-40B4-BE49-F238E27FC236}">
-                <a16:creationId xmlns:a16="http://schemas.microsoft.com/office/drawing/2014/main" id="{88C172E9-16EC-1D6E-C7EC-8D4C510F5138}"/>
+                <a16:creationId xmlns:a16="http://schemas.microsoft.com/office/drawing/2014/main" id="{FE2351E4-79C9-CE9B-2976-9F02D3BEC72E}"/>
               </a:ext>
             </a:extLst>
           </p:cNvPr>
@@ -1380,7 +1380,7 @@
           <p:cNvPr id="5" name="日期占位符 4">
             <a:extLst>
               <a:ext uri="{FF2B5EF4-FFF2-40B4-BE49-F238E27FC236}">
-                <a16:creationId xmlns:a16="http://schemas.microsoft.com/office/drawing/2014/main" id="{3181C2EB-A38C-9138-A975-65AC43258921}"/>
+                <a16:creationId xmlns:a16="http://schemas.microsoft.com/office/drawing/2014/main" id="{BF3C58A5-B262-FA32-DC3B-D983E584F315}"/>
               </a:ext>
             </a:extLst>
           </p:cNvPr>
@@ -1396,7 +1396,7 @@
           <a:bodyPr/>
           <a:lstStyle/>
           <a:p>
-            <a:fld id="{BCA501A3-6DEA-4E70-B31B-DBC4E34366A1}" type="datetimeFigureOut">
+            <a:fld id="{ECF8F30A-7E03-4E56-B344-E8D6282BA25F}" type="datetimeFigureOut">
               <a:rPr lang="zh-CN" altLang="en-US" smtClean="0"/>
               <a:t>2024/3/10</a:t>
             </a:fld>
@@ -1409,7 +1409,7 @@
           <p:cNvPr id="6" name="页脚占位符 5">
             <a:extLst>
               <a:ext uri="{FF2B5EF4-FFF2-40B4-BE49-F238E27FC236}">
-                <a16:creationId xmlns:a16="http://schemas.microsoft.com/office/drawing/2014/main" id="{1D29C191-D889-6E8E-20D7-AE6ACBAA555A}"/>
+                <a16:creationId xmlns:a16="http://schemas.microsoft.com/office/drawing/2014/main" id="{456B3606-47F8-F29D-E83F-E3B9F054BAC6}"/>
               </a:ext>
             </a:extLst>
           </p:cNvPr>
@@ -1434,7 +1434,7 @@
           <p:cNvPr id="7" name="灯片编号占位符 6">
             <a:extLst>
               <a:ext uri="{FF2B5EF4-FFF2-40B4-BE49-F238E27FC236}">
-                <a16:creationId xmlns:a16="http://schemas.microsoft.com/office/drawing/2014/main" id="{0D536D55-8616-741D-1971-0A307122E583}"/>
+                <a16:creationId xmlns:a16="http://schemas.microsoft.com/office/drawing/2014/main" id="{AC8119B5-44F2-0244-C836-80D4666BEB1A}"/>
               </a:ext>
             </a:extLst>
           </p:cNvPr>
@@ -1450,7 +1450,7 @@
           <a:bodyPr/>
           <a:lstStyle/>
           <a:p>
-            <a:fld id="{118F2C46-648C-48AE-8190-CF2C0372714A}" type="slidenum">
+            <a:fld id="{B688A5E9-A28F-4AEB-BD94-4691CB7D38D6}" type="slidenum">
               <a:rPr lang="zh-CN" altLang="en-US" smtClean="0"/>
               <a:t>‹#›</a:t>
             </a:fld>
@@ -1461,7 +1461,7 @@
     </p:spTree>
     <p:extLst>
       <p:ext uri="{BB962C8B-B14F-4D97-AF65-F5344CB8AC3E}">
-        <p14:creationId xmlns:p14="http://schemas.microsoft.com/office/powerpoint/2010/main" val="2699002764"/>
+        <p14:creationId xmlns:p14="http://schemas.microsoft.com/office/powerpoint/2010/main" val="26470316"/>
       </p:ext>
     </p:extLst>
   </p:cSld>
@@ -1493,7 +1493,7 @@
           <p:cNvPr id="2" name="标题 1">
             <a:extLst>
               <a:ext uri="{FF2B5EF4-FFF2-40B4-BE49-F238E27FC236}">
-                <a16:creationId xmlns:a16="http://schemas.microsoft.com/office/drawing/2014/main" id="{4F466335-E51E-5872-1533-C9F05EC49DC9}"/>
+                <a16:creationId xmlns:a16="http://schemas.microsoft.com/office/drawing/2014/main" id="{8D484090-4515-015E-EB64-8CB7EF30EB20}"/>
               </a:ext>
             </a:extLst>
           </p:cNvPr>
@@ -1526,7 +1526,7 @@
           <p:cNvPr id="3" name="文本占位符 2">
             <a:extLst>
               <a:ext uri="{FF2B5EF4-FFF2-40B4-BE49-F238E27FC236}">
-                <a16:creationId xmlns:a16="http://schemas.microsoft.com/office/drawing/2014/main" id="{EF2491D3-BF1A-2039-06DB-43432D903996}"/>
+                <a16:creationId xmlns:a16="http://schemas.microsoft.com/office/drawing/2014/main" id="{F8CA96C7-74FB-97D6-B0B2-B725FAE73A03}"/>
               </a:ext>
             </a:extLst>
           </p:cNvPr>
@@ -1597,7 +1597,7 @@
           <p:cNvPr id="4" name="内容占位符 3">
             <a:extLst>
               <a:ext uri="{FF2B5EF4-FFF2-40B4-BE49-F238E27FC236}">
-                <a16:creationId xmlns:a16="http://schemas.microsoft.com/office/drawing/2014/main" id="{70C8300F-8CED-A65D-48CD-3CDEF5EBDD77}"/>
+                <a16:creationId xmlns:a16="http://schemas.microsoft.com/office/drawing/2014/main" id="{41F0F5DD-642F-1040-C5D1-E4F98463CF8B}"/>
               </a:ext>
             </a:extLst>
           </p:cNvPr>
@@ -1659,7 +1659,7 @@
           <p:cNvPr id="5" name="文本占位符 4">
             <a:extLst>
               <a:ext uri="{FF2B5EF4-FFF2-40B4-BE49-F238E27FC236}">
-                <a16:creationId xmlns:a16="http://schemas.microsoft.com/office/drawing/2014/main" id="{DFCC75A0-8CD7-A8FB-B660-AA60F0B35CD1}"/>
+                <a16:creationId xmlns:a16="http://schemas.microsoft.com/office/drawing/2014/main" id="{D04B5ABD-A3B2-31B9-B962-3D0A3894286A}"/>
               </a:ext>
             </a:extLst>
           </p:cNvPr>
@@ -1730,7 +1730,7 @@
           <p:cNvPr id="6" name="内容占位符 5">
             <a:extLst>
               <a:ext uri="{FF2B5EF4-FFF2-40B4-BE49-F238E27FC236}">
-                <a16:creationId xmlns:a16="http://schemas.microsoft.com/office/drawing/2014/main" id="{19804883-038A-B20B-6558-D0820EE0D8E7}"/>
+                <a16:creationId xmlns:a16="http://schemas.microsoft.com/office/drawing/2014/main" id="{90C5D9AD-5F8B-D064-660C-A1F173CC175D}"/>
               </a:ext>
             </a:extLst>
           </p:cNvPr>
@@ -1792,7 +1792,7 @@
           <p:cNvPr id="7" name="日期占位符 6">
             <a:extLst>
               <a:ext uri="{FF2B5EF4-FFF2-40B4-BE49-F238E27FC236}">
-                <a16:creationId xmlns:a16="http://schemas.microsoft.com/office/drawing/2014/main" id="{9A676983-C0BF-1E4C-5D4B-7E3577665CC1}"/>
+                <a16:creationId xmlns:a16="http://schemas.microsoft.com/office/drawing/2014/main" id="{60FCC3A2-9E78-55FF-090D-FD3826745294}"/>
               </a:ext>
             </a:extLst>
           </p:cNvPr>
@@ -1808,7 +1808,7 @@
           <a:bodyPr/>
           <a:lstStyle/>
           <a:p>
-            <a:fld id="{BCA501A3-6DEA-4E70-B31B-DBC4E34366A1}" type="datetimeFigureOut">
+            <a:fld id="{ECF8F30A-7E03-4E56-B344-E8D6282BA25F}" type="datetimeFigureOut">
               <a:rPr lang="zh-CN" altLang="en-US" smtClean="0"/>
               <a:t>2024/3/10</a:t>
             </a:fld>
@@ -1821,7 +1821,7 @@
           <p:cNvPr id="8" name="页脚占位符 7">
             <a:extLst>
               <a:ext uri="{FF2B5EF4-FFF2-40B4-BE49-F238E27FC236}">
-                <a16:creationId xmlns:a16="http://schemas.microsoft.com/office/drawing/2014/main" id="{1EB9F0F3-5DA7-9416-434F-842715C92BC7}"/>
+                <a16:creationId xmlns:a16="http://schemas.microsoft.com/office/drawing/2014/main" id="{8963BCC2-E656-7B2D-53EF-61BCBADD8F38}"/>
               </a:ext>
             </a:extLst>
           </p:cNvPr>
@@ -1846,7 +1846,7 @@
           <p:cNvPr id="9" name="灯片编号占位符 8">
             <a:extLst>
               <a:ext uri="{FF2B5EF4-FFF2-40B4-BE49-F238E27FC236}">
-                <a16:creationId xmlns:a16="http://schemas.microsoft.com/office/drawing/2014/main" id="{3E6DA6B0-B543-79A1-4A3C-7FB842ECD4D2}"/>
+                <a16:creationId xmlns:a16="http://schemas.microsoft.com/office/drawing/2014/main" id="{140CC329-7DC4-6ED1-3BD4-C852882C1F60}"/>
               </a:ext>
             </a:extLst>
           </p:cNvPr>
@@ -1862,7 +1862,7 @@
           <a:bodyPr/>
           <a:lstStyle/>
           <a:p>
-            <a:fld id="{118F2C46-648C-48AE-8190-CF2C0372714A}" type="slidenum">
+            <a:fld id="{B688A5E9-A28F-4AEB-BD94-4691CB7D38D6}" type="slidenum">
               <a:rPr lang="zh-CN" altLang="en-US" smtClean="0"/>
               <a:t>‹#›</a:t>
             </a:fld>
@@ -1873,7 +1873,7 @@
     </p:spTree>
     <p:extLst>
       <p:ext uri="{BB962C8B-B14F-4D97-AF65-F5344CB8AC3E}">
-        <p14:creationId xmlns:p14="http://schemas.microsoft.com/office/powerpoint/2010/main" val="2787222515"/>
+        <p14:creationId xmlns:p14="http://schemas.microsoft.com/office/powerpoint/2010/main" val="3278465764"/>
       </p:ext>
     </p:extLst>
   </p:cSld>
@@ -1905,7 +1905,7 @@
           <p:cNvPr id="2" name="标题 1">
             <a:extLst>
               <a:ext uri="{FF2B5EF4-FFF2-40B4-BE49-F238E27FC236}">
-                <a16:creationId xmlns:a16="http://schemas.microsoft.com/office/drawing/2014/main" id="{C42DC755-CE84-4F71-D28B-D6D23046797B}"/>
+                <a16:creationId xmlns:a16="http://schemas.microsoft.com/office/drawing/2014/main" id="{40DEFE31-4382-1945-3FBB-90719D33FCC9}"/>
               </a:ext>
             </a:extLst>
           </p:cNvPr>
@@ -1933,7 +1933,7 @@
           <p:cNvPr id="3" name="日期占位符 2">
             <a:extLst>
               <a:ext uri="{FF2B5EF4-FFF2-40B4-BE49-F238E27FC236}">
-                <a16:creationId xmlns:a16="http://schemas.microsoft.com/office/drawing/2014/main" id="{45B61561-FF19-C11A-CC39-735832605955}"/>
+                <a16:creationId xmlns:a16="http://schemas.microsoft.com/office/drawing/2014/main" id="{318739E8-4BF2-1109-6348-8D375F8589FF}"/>
               </a:ext>
             </a:extLst>
           </p:cNvPr>
@@ -1949,7 +1949,7 @@
           <a:bodyPr/>
           <a:lstStyle/>
           <a:p>
-            <a:fld id="{BCA501A3-6DEA-4E70-B31B-DBC4E34366A1}" type="datetimeFigureOut">
+            <a:fld id="{ECF8F30A-7E03-4E56-B344-E8D6282BA25F}" type="datetimeFigureOut">
               <a:rPr lang="zh-CN" altLang="en-US" smtClean="0"/>
               <a:t>2024/3/10</a:t>
             </a:fld>
@@ -1962,7 +1962,7 @@
           <p:cNvPr id="4" name="页脚占位符 3">
             <a:extLst>
               <a:ext uri="{FF2B5EF4-FFF2-40B4-BE49-F238E27FC236}">
-                <a16:creationId xmlns:a16="http://schemas.microsoft.com/office/drawing/2014/main" id="{266269A9-EC39-4172-E5CA-CB8949DEDC69}"/>
+                <a16:creationId xmlns:a16="http://schemas.microsoft.com/office/drawing/2014/main" id="{1B0FC001-E25F-CED6-746F-62C9ECDEEFF5}"/>
               </a:ext>
             </a:extLst>
           </p:cNvPr>
@@ -1987,7 +1987,7 @@
           <p:cNvPr id="5" name="灯片编号占位符 4">
             <a:extLst>
               <a:ext uri="{FF2B5EF4-FFF2-40B4-BE49-F238E27FC236}">
-                <a16:creationId xmlns:a16="http://schemas.microsoft.com/office/drawing/2014/main" id="{1D0F508E-43A2-9511-9F23-425B4F065277}"/>
+                <a16:creationId xmlns:a16="http://schemas.microsoft.com/office/drawing/2014/main" id="{C2C51E3E-BD8E-6D38-BD80-4753114CF0E6}"/>
               </a:ext>
             </a:extLst>
           </p:cNvPr>
@@ -2003,7 +2003,7 @@
           <a:bodyPr/>
           <a:lstStyle/>
           <a:p>
-            <a:fld id="{118F2C46-648C-48AE-8190-CF2C0372714A}" type="slidenum">
+            <a:fld id="{B688A5E9-A28F-4AEB-BD94-4691CB7D38D6}" type="slidenum">
               <a:rPr lang="zh-CN" altLang="en-US" smtClean="0"/>
               <a:t>‹#›</a:t>
             </a:fld>
@@ -2014,7 +2014,7 @@
     </p:spTree>
     <p:extLst>
       <p:ext uri="{BB962C8B-B14F-4D97-AF65-F5344CB8AC3E}">
-        <p14:creationId xmlns:p14="http://schemas.microsoft.com/office/powerpoint/2010/main" val="3627342583"/>
+        <p14:creationId xmlns:p14="http://schemas.microsoft.com/office/powerpoint/2010/main" val="2001554991"/>
       </p:ext>
     </p:extLst>
   </p:cSld>
@@ -2046,7 +2046,7 @@
           <p:cNvPr id="2" name="日期占位符 1">
             <a:extLst>
               <a:ext uri="{FF2B5EF4-FFF2-40B4-BE49-F238E27FC236}">
-                <a16:creationId xmlns:a16="http://schemas.microsoft.com/office/drawing/2014/main" id="{DFAF39A2-71F2-1C8A-1DB1-37CD0FA78B58}"/>
+                <a16:creationId xmlns:a16="http://schemas.microsoft.com/office/drawing/2014/main" id="{A1C35017-B293-E254-E941-CAFAAC6D1FA8}"/>
               </a:ext>
             </a:extLst>
           </p:cNvPr>
@@ -2062,7 +2062,7 @@
           <a:bodyPr/>
           <a:lstStyle/>
           <a:p>
-            <a:fld id="{BCA501A3-6DEA-4E70-B31B-DBC4E34366A1}" type="datetimeFigureOut">
+            <a:fld id="{ECF8F30A-7E03-4E56-B344-E8D6282BA25F}" type="datetimeFigureOut">
               <a:rPr lang="zh-CN" altLang="en-US" smtClean="0"/>
               <a:t>2024/3/10</a:t>
             </a:fld>
@@ -2075,7 +2075,7 @@
           <p:cNvPr id="3" name="页脚占位符 2">
             <a:extLst>
               <a:ext uri="{FF2B5EF4-FFF2-40B4-BE49-F238E27FC236}">
-                <a16:creationId xmlns:a16="http://schemas.microsoft.com/office/drawing/2014/main" id="{56513162-CF8A-F493-8D2C-4FE40BD6981D}"/>
+                <a16:creationId xmlns:a16="http://schemas.microsoft.com/office/drawing/2014/main" id="{5046B0DC-A11E-2A96-9194-08A1EC64AD8E}"/>
               </a:ext>
             </a:extLst>
           </p:cNvPr>
@@ -2100,7 +2100,7 @@
           <p:cNvPr id="4" name="灯片编号占位符 3">
             <a:extLst>
               <a:ext uri="{FF2B5EF4-FFF2-40B4-BE49-F238E27FC236}">
-                <a16:creationId xmlns:a16="http://schemas.microsoft.com/office/drawing/2014/main" id="{39A44568-4898-DB62-E539-80501A00C70D}"/>
+                <a16:creationId xmlns:a16="http://schemas.microsoft.com/office/drawing/2014/main" id="{42AD883A-2E23-B156-2574-444C0481E915}"/>
               </a:ext>
             </a:extLst>
           </p:cNvPr>
@@ -2116,7 +2116,7 @@
           <a:bodyPr/>
           <a:lstStyle/>
           <a:p>
-            <a:fld id="{118F2C46-648C-48AE-8190-CF2C0372714A}" type="slidenum">
+            <a:fld id="{B688A5E9-A28F-4AEB-BD94-4691CB7D38D6}" type="slidenum">
               <a:rPr lang="zh-CN" altLang="en-US" smtClean="0"/>
               <a:t>‹#›</a:t>
             </a:fld>
@@ -2127,7 +2127,7 @@
     </p:spTree>
     <p:extLst>
       <p:ext uri="{BB962C8B-B14F-4D97-AF65-F5344CB8AC3E}">
-        <p14:creationId xmlns:p14="http://schemas.microsoft.com/office/powerpoint/2010/main" val="950348489"/>
+        <p14:creationId xmlns:p14="http://schemas.microsoft.com/office/powerpoint/2010/main" val="2907299947"/>
       </p:ext>
     </p:extLst>
   </p:cSld>
@@ -2159,7 +2159,7 @@
           <p:cNvPr id="2" name="标题 1">
             <a:extLst>
               <a:ext uri="{FF2B5EF4-FFF2-40B4-BE49-F238E27FC236}">
-                <a16:creationId xmlns:a16="http://schemas.microsoft.com/office/drawing/2014/main" id="{B916D74A-753C-20ED-989B-5C2FA10C359B}"/>
+                <a16:creationId xmlns:a16="http://schemas.microsoft.com/office/drawing/2014/main" id="{B492CE1F-E612-73BF-831A-3C99472263D0}"/>
               </a:ext>
             </a:extLst>
           </p:cNvPr>
@@ -2196,7 +2196,7 @@
           <p:cNvPr id="3" name="内容占位符 2">
             <a:extLst>
               <a:ext uri="{FF2B5EF4-FFF2-40B4-BE49-F238E27FC236}">
-                <a16:creationId xmlns:a16="http://schemas.microsoft.com/office/drawing/2014/main" id="{EB2067E1-6898-E95E-1EC3-58897C3822AC}"/>
+                <a16:creationId xmlns:a16="http://schemas.microsoft.com/office/drawing/2014/main" id="{C64B7BE6-5F7A-80DA-6CD9-3BCD57694D2B}"/>
               </a:ext>
             </a:extLst>
           </p:cNvPr>
@@ -2286,7 +2286,7 @@
           <p:cNvPr id="4" name="文本占位符 3">
             <a:extLst>
               <a:ext uri="{FF2B5EF4-FFF2-40B4-BE49-F238E27FC236}">
-                <a16:creationId xmlns:a16="http://schemas.microsoft.com/office/drawing/2014/main" id="{EEAEC8BF-BE3F-25FB-139A-618709A49599}"/>
+                <a16:creationId xmlns:a16="http://schemas.microsoft.com/office/drawing/2014/main" id="{FB4CE399-ADD9-E299-9718-C0B0D0218A4B}"/>
               </a:ext>
             </a:extLst>
           </p:cNvPr>
@@ -2357,7 +2357,7 @@
           <p:cNvPr id="5" name="日期占位符 4">
             <a:extLst>
               <a:ext uri="{FF2B5EF4-FFF2-40B4-BE49-F238E27FC236}">
-                <a16:creationId xmlns:a16="http://schemas.microsoft.com/office/drawing/2014/main" id="{DA274664-8E9A-9FBF-DB8D-6DAEEB20EBC6}"/>
+                <a16:creationId xmlns:a16="http://schemas.microsoft.com/office/drawing/2014/main" id="{6152AC6C-1C8D-9AA1-BFE2-73E26349ACAB}"/>
               </a:ext>
             </a:extLst>
           </p:cNvPr>
@@ -2373,7 +2373,7 @@
           <a:bodyPr/>
           <a:lstStyle/>
           <a:p>
-            <a:fld id="{BCA501A3-6DEA-4E70-B31B-DBC4E34366A1}" type="datetimeFigureOut">
+            <a:fld id="{ECF8F30A-7E03-4E56-B344-E8D6282BA25F}" type="datetimeFigureOut">
               <a:rPr lang="zh-CN" altLang="en-US" smtClean="0"/>
               <a:t>2024/3/10</a:t>
             </a:fld>
@@ -2386,7 +2386,7 @@
           <p:cNvPr id="6" name="页脚占位符 5">
             <a:extLst>
               <a:ext uri="{FF2B5EF4-FFF2-40B4-BE49-F238E27FC236}">
-                <a16:creationId xmlns:a16="http://schemas.microsoft.com/office/drawing/2014/main" id="{CEC75798-4485-5944-895C-115B5EEBAB2D}"/>
+                <a16:creationId xmlns:a16="http://schemas.microsoft.com/office/drawing/2014/main" id="{1F9C9435-8FE8-2BDB-0A0B-43E6BC3E227B}"/>
               </a:ext>
             </a:extLst>
           </p:cNvPr>
@@ -2411,7 +2411,7 @@
           <p:cNvPr id="7" name="灯片编号占位符 6">
             <a:extLst>
               <a:ext uri="{FF2B5EF4-FFF2-40B4-BE49-F238E27FC236}">
-                <a16:creationId xmlns:a16="http://schemas.microsoft.com/office/drawing/2014/main" id="{CA0704D7-0DCA-D637-8775-1BD4428DBB32}"/>
+                <a16:creationId xmlns:a16="http://schemas.microsoft.com/office/drawing/2014/main" id="{2938A09E-E7E2-B17C-4D73-0300E63262B0}"/>
               </a:ext>
             </a:extLst>
           </p:cNvPr>
@@ -2427,7 +2427,7 @@
           <a:bodyPr/>
           <a:lstStyle/>
           <a:p>
-            <a:fld id="{118F2C46-648C-48AE-8190-CF2C0372714A}" type="slidenum">
+            <a:fld id="{B688A5E9-A28F-4AEB-BD94-4691CB7D38D6}" type="slidenum">
               <a:rPr lang="zh-CN" altLang="en-US" smtClean="0"/>
               <a:t>‹#›</a:t>
             </a:fld>
@@ -2438,7 +2438,7 @@
     </p:spTree>
     <p:extLst>
       <p:ext uri="{BB962C8B-B14F-4D97-AF65-F5344CB8AC3E}">
-        <p14:creationId xmlns:p14="http://schemas.microsoft.com/office/powerpoint/2010/main" val="684780559"/>
+        <p14:creationId xmlns:p14="http://schemas.microsoft.com/office/powerpoint/2010/main" val="1346868595"/>
       </p:ext>
     </p:extLst>
   </p:cSld>
@@ -2470,7 +2470,7 @@
           <p:cNvPr id="2" name="标题 1">
             <a:extLst>
               <a:ext uri="{FF2B5EF4-FFF2-40B4-BE49-F238E27FC236}">
-                <a16:creationId xmlns:a16="http://schemas.microsoft.com/office/drawing/2014/main" id="{C916DB1B-45FB-2425-6E2D-9566198B75AD}"/>
+                <a16:creationId xmlns:a16="http://schemas.microsoft.com/office/drawing/2014/main" id="{E42789C5-AC61-E3B2-1C25-72AFFD4EC431}"/>
               </a:ext>
             </a:extLst>
           </p:cNvPr>
@@ -2507,7 +2507,7 @@
           <p:cNvPr id="3" name="图片占位符 2">
             <a:extLst>
               <a:ext uri="{FF2B5EF4-FFF2-40B4-BE49-F238E27FC236}">
-                <a16:creationId xmlns:a16="http://schemas.microsoft.com/office/drawing/2014/main" id="{77BF5A8A-4429-CF8A-72E0-0733CF3AF94E}"/>
+                <a16:creationId xmlns:a16="http://schemas.microsoft.com/office/drawing/2014/main" id="{4D51C6CC-9A7F-15C9-72EC-C26282CAB50A}"/>
               </a:ext>
             </a:extLst>
           </p:cNvPr>
@@ -2574,7 +2574,7 @@
           <p:cNvPr id="4" name="文本占位符 3">
             <a:extLst>
               <a:ext uri="{FF2B5EF4-FFF2-40B4-BE49-F238E27FC236}">
-                <a16:creationId xmlns:a16="http://schemas.microsoft.com/office/drawing/2014/main" id="{F00B205B-4D72-376B-0128-FB9DC2BA47CC}"/>
+                <a16:creationId xmlns:a16="http://schemas.microsoft.com/office/drawing/2014/main" id="{BE5F0B2A-9419-C591-BE55-182FA2EA4B99}"/>
               </a:ext>
             </a:extLst>
           </p:cNvPr>
@@ -2645,7 +2645,7 @@
           <p:cNvPr id="5" name="日期占位符 4">
             <a:extLst>
               <a:ext uri="{FF2B5EF4-FFF2-40B4-BE49-F238E27FC236}">
-                <a16:creationId xmlns:a16="http://schemas.microsoft.com/office/drawing/2014/main" id="{753F3027-CFE5-43E5-5185-EDD6A407A173}"/>
+                <a16:creationId xmlns:a16="http://schemas.microsoft.com/office/drawing/2014/main" id="{5028F77F-350F-9E61-DCDE-EA1D6E5D615C}"/>
               </a:ext>
             </a:extLst>
           </p:cNvPr>
@@ -2661,7 +2661,7 @@
           <a:bodyPr/>
           <a:lstStyle/>
           <a:p>
-            <a:fld id="{BCA501A3-6DEA-4E70-B31B-DBC4E34366A1}" type="datetimeFigureOut">
+            <a:fld id="{ECF8F30A-7E03-4E56-B344-E8D6282BA25F}" type="datetimeFigureOut">
               <a:rPr lang="zh-CN" altLang="en-US" smtClean="0"/>
               <a:t>2024/3/10</a:t>
             </a:fld>
@@ -2674,7 +2674,7 @@
           <p:cNvPr id="6" name="页脚占位符 5">
             <a:extLst>
               <a:ext uri="{FF2B5EF4-FFF2-40B4-BE49-F238E27FC236}">
-                <a16:creationId xmlns:a16="http://schemas.microsoft.com/office/drawing/2014/main" id="{24429926-B4FA-6443-9FD0-A72B087B1F3E}"/>
+                <a16:creationId xmlns:a16="http://schemas.microsoft.com/office/drawing/2014/main" id="{BBC8E054-C0CA-4E7A-DEC7-A39901727C35}"/>
               </a:ext>
             </a:extLst>
           </p:cNvPr>
@@ -2699,7 +2699,7 @@
           <p:cNvPr id="7" name="灯片编号占位符 6">
             <a:extLst>
               <a:ext uri="{FF2B5EF4-FFF2-40B4-BE49-F238E27FC236}">
-                <a16:creationId xmlns:a16="http://schemas.microsoft.com/office/drawing/2014/main" id="{74AAF82A-B0D9-EB87-DD1C-383CC670CD5F}"/>
+                <a16:creationId xmlns:a16="http://schemas.microsoft.com/office/drawing/2014/main" id="{77FD33A0-907D-879D-DD54-E78A0F5B9EC0}"/>
               </a:ext>
             </a:extLst>
           </p:cNvPr>
@@ -2715,7 +2715,7 @@
           <a:bodyPr/>
           <a:lstStyle/>
           <a:p>
-            <a:fld id="{118F2C46-648C-48AE-8190-CF2C0372714A}" type="slidenum">
+            <a:fld id="{B688A5E9-A28F-4AEB-BD94-4691CB7D38D6}" type="slidenum">
               <a:rPr lang="zh-CN" altLang="en-US" smtClean="0"/>
               <a:t>‹#›</a:t>
             </a:fld>
@@ -2726,7 +2726,7 @@
     </p:spTree>
     <p:extLst>
       <p:ext uri="{BB962C8B-B14F-4D97-AF65-F5344CB8AC3E}">
-        <p14:creationId xmlns:p14="http://schemas.microsoft.com/office/powerpoint/2010/main" val="1061451151"/>
+        <p14:creationId xmlns:p14="http://schemas.microsoft.com/office/powerpoint/2010/main" val="1734748303"/>
       </p:ext>
     </p:extLst>
   </p:cSld>
@@ -2763,7 +2763,7 @@
           <p:cNvPr id="2" name="标题占位符 1">
             <a:extLst>
               <a:ext uri="{FF2B5EF4-FFF2-40B4-BE49-F238E27FC236}">
-                <a16:creationId xmlns:a16="http://schemas.microsoft.com/office/drawing/2014/main" id="{30FAC0E8-457A-AE91-0888-2AF107EBC442}"/>
+                <a16:creationId xmlns:a16="http://schemas.microsoft.com/office/drawing/2014/main" id="{E67B7518-A423-222B-C97D-F1990F205437}"/>
               </a:ext>
             </a:extLst>
           </p:cNvPr>
@@ -2801,7 +2801,7 @@
           <p:cNvPr id="3" name="文本占位符 2">
             <a:extLst>
               <a:ext uri="{FF2B5EF4-FFF2-40B4-BE49-F238E27FC236}">
-                <a16:creationId xmlns:a16="http://schemas.microsoft.com/office/drawing/2014/main" id="{A8A43082-096E-FE61-A944-E6300EC672E4}"/>
+                <a16:creationId xmlns:a16="http://schemas.microsoft.com/office/drawing/2014/main" id="{4E12E708-4512-9D4F-6A6D-DCED6F211DB9}"/>
               </a:ext>
             </a:extLst>
           </p:cNvPr>
@@ -2868,7 +2868,7 @@
           <p:cNvPr id="4" name="日期占位符 3">
             <a:extLst>
               <a:ext uri="{FF2B5EF4-FFF2-40B4-BE49-F238E27FC236}">
-                <a16:creationId xmlns:a16="http://schemas.microsoft.com/office/drawing/2014/main" id="{96207258-8E12-66DA-C51A-EC3564FF83E2}"/>
+                <a16:creationId xmlns:a16="http://schemas.microsoft.com/office/drawing/2014/main" id="{AEF75779-0AFD-C4DC-F3A1-71C9AD63BAF8}"/>
               </a:ext>
             </a:extLst>
           </p:cNvPr>
@@ -2902,7 +2902,7 @@
             </a:lvl1pPr>
           </a:lstStyle>
           <a:p>
-            <a:fld id="{BCA501A3-6DEA-4E70-B31B-DBC4E34366A1}" type="datetimeFigureOut">
+            <a:fld id="{ECF8F30A-7E03-4E56-B344-E8D6282BA25F}" type="datetimeFigureOut">
               <a:rPr lang="zh-CN" altLang="en-US" smtClean="0"/>
               <a:t>2024/3/10</a:t>
             </a:fld>
@@ -2915,7 +2915,7 @@
           <p:cNvPr id="5" name="页脚占位符 4">
             <a:extLst>
               <a:ext uri="{FF2B5EF4-FFF2-40B4-BE49-F238E27FC236}">
-                <a16:creationId xmlns:a16="http://schemas.microsoft.com/office/drawing/2014/main" id="{64D0F443-AB00-2440-EE00-AD8F9F2349C4}"/>
+                <a16:creationId xmlns:a16="http://schemas.microsoft.com/office/drawing/2014/main" id="{50225040-A9B0-F7EE-B274-9896D35698B5}"/>
               </a:ext>
             </a:extLst>
           </p:cNvPr>
@@ -2958,7 +2958,7 @@
           <p:cNvPr id="6" name="灯片编号占位符 5">
             <a:extLst>
               <a:ext uri="{FF2B5EF4-FFF2-40B4-BE49-F238E27FC236}">
-                <a16:creationId xmlns:a16="http://schemas.microsoft.com/office/drawing/2014/main" id="{F4717C68-37B5-0764-F9FE-3FE3357F6380}"/>
+                <a16:creationId xmlns:a16="http://schemas.microsoft.com/office/drawing/2014/main" id="{7C337D28-83E3-773F-4F28-79DF90900EDA}"/>
               </a:ext>
             </a:extLst>
           </p:cNvPr>
@@ -2992,7 +2992,7 @@
             </a:lvl1pPr>
           </a:lstStyle>
           <a:p>
-            <a:fld id="{118F2C46-648C-48AE-8190-CF2C0372714A}" type="slidenum">
+            <a:fld id="{B688A5E9-A28F-4AEB-BD94-4691CB7D38D6}" type="slidenum">
               <a:rPr lang="zh-CN" altLang="en-US" smtClean="0"/>
               <a:t>‹#›</a:t>
             </a:fld>
@@ -3003,7 +3003,7 @@
     </p:spTree>
     <p:extLst>
       <p:ext uri="{BB962C8B-B14F-4D97-AF65-F5344CB8AC3E}">
-        <p14:creationId xmlns:p14="http://schemas.microsoft.com/office/powerpoint/2010/main" val="982671563"/>
+        <p14:creationId xmlns:p14="http://schemas.microsoft.com/office/powerpoint/2010/main" val="1024256631"/>
       </p:ext>
     </p:extLst>
   </p:cSld>
